--- a/ppt 16-9/0222.博士朝拜新生王.pptx
+++ b/ppt 16-9/0222.博士朝拜新生王.pptx
@@ -5,7 +5,7 @@
     <p:sldMasterId id="2147483648" r:id="rId1"/>
   </p:sldMasterIdLst>
   <p:sldIdLst>
-    <p:sldId id="3038" r:id="rId2"/>
+    <p:sldId id="3040" r:id="rId2"/>
   </p:sldIdLst>
   <p:sldSz cx="12192000" cy="6858000"/>
   <p:notesSz cx="6858000" cy="9144000"/>
@@ -129,7 +129,7 @@
           <p:cNvPr id="2" name="标题 1">
             <a:extLst>
               <a:ext uri="{FF2B5EF4-FFF2-40B4-BE49-F238E27FC236}">
-                <a16:creationId xmlns:a16="http://schemas.microsoft.com/office/drawing/2014/main" id="{0C01233D-AC0D-AEFF-CCA5-E764D65CAF0A}"/>
+                <a16:creationId xmlns:a16="http://schemas.microsoft.com/office/drawing/2014/main" id="{98467B85-4CDF-FB63-5DA0-17E6F02EADBA}"/>
               </a:ext>
             </a:extLst>
           </p:cNvPr>
@@ -166,7 +166,7 @@
           <p:cNvPr id="3" name="副标题 2">
             <a:extLst>
               <a:ext uri="{FF2B5EF4-FFF2-40B4-BE49-F238E27FC236}">
-                <a16:creationId xmlns:a16="http://schemas.microsoft.com/office/drawing/2014/main" id="{9D7448C2-337A-20A4-4062-64BAB9A9F696}"/>
+                <a16:creationId xmlns:a16="http://schemas.microsoft.com/office/drawing/2014/main" id="{3D6131A0-F8E7-19E8-CDEA-5D61984A8988}"/>
               </a:ext>
             </a:extLst>
           </p:cNvPr>
@@ -236,7 +236,7 @@
           <p:cNvPr id="4" name="日期占位符 3">
             <a:extLst>
               <a:ext uri="{FF2B5EF4-FFF2-40B4-BE49-F238E27FC236}">
-                <a16:creationId xmlns:a16="http://schemas.microsoft.com/office/drawing/2014/main" id="{06B3515F-BF1B-C6D5-FA02-F68B3F5B0C4D}"/>
+                <a16:creationId xmlns:a16="http://schemas.microsoft.com/office/drawing/2014/main" id="{1A7051B7-667E-4E56-70E8-2B55D9BE0496}"/>
               </a:ext>
             </a:extLst>
           </p:cNvPr>
@@ -252,7 +252,7 @@
           <a:bodyPr/>
           <a:lstStyle/>
           <a:p>
-            <a:fld id="{1EE09E9A-7C59-40EA-B07F-696644A08B0B}" type="datetimeFigureOut">
+            <a:fld id="{FC1D3548-F8F4-44C0-86CF-F2A953CF6334}" type="datetimeFigureOut">
               <a:rPr lang="zh-CN" altLang="en-US" smtClean="0"/>
               <a:t>2024/3/10</a:t>
             </a:fld>
@@ -265,7 +265,7 @@
           <p:cNvPr id="5" name="页脚占位符 4">
             <a:extLst>
               <a:ext uri="{FF2B5EF4-FFF2-40B4-BE49-F238E27FC236}">
-                <a16:creationId xmlns:a16="http://schemas.microsoft.com/office/drawing/2014/main" id="{22A6B940-F9A6-A36D-2757-A17FB97BE788}"/>
+                <a16:creationId xmlns:a16="http://schemas.microsoft.com/office/drawing/2014/main" id="{3EE2C5F7-2464-3AA3-D137-78768510ECF5}"/>
               </a:ext>
             </a:extLst>
           </p:cNvPr>
@@ -290,7 +290,7 @@
           <p:cNvPr id="6" name="灯片编号占位符 5">
             <a:extLst>
               <a:ext uri="{FF2B5EF4-FFF2-40B4-BE49-F238E27FC236}">
-                <a16:creationId xmlns:a16="http://schemas.microsoft.com/office/drawing/2014/main" id="{E1C30E78-6EF4-86DE-FE13-1AEFFD87E9F1}"/>
+                <a16:creationId xmlns:a16="http://schemas.microsoft.com/office/drawing/2014/main" id="{F5BB2F12-3735-20E3-DD9C-FE130330004F}"/>
               </a:ext>
             </a:extLst>
           </p:cNvPr>
@@ -306,7 +306,7 @@
           <a:bodyPr/>
           <a:lstStyle/>
           <a:p>
-            <a:fld id="{7B3D1A69-A019-4E7D-AFF2-CCD49CD43C08}" type="slidenum">
+            <a:fld id="{49891F30-CC92-4489-BE62-75E2C3E42EBB}" type="slidenum">
               <a:rPr lang="zh-CN" altLang="en-US" smtClean="0"/>
               <a:t>‹#›</a:t>
             </a:fld>
@@ -317,7 +317,7 @@
     </p:spTree>
     <p:extLst>
       <p:ext uri="{BB962C8B-B14F-4D97-AF65-F5344CB8AC3E}">
-        <p14:creationId xmlns:p14="http://schemas.microsoft.com/office/powerpoint/2010/main" val="2640342610"/>
+        <p14:creationId xmlns:p14="http://schemas.microsoft.com/office/powerpoint/2010/main" val="4072479271"/>
       </p:ext>
     </p:extLst>
   </p:cSld>
@@ -349,7 +349,7 @@
           <p:cNvPr id="2" name="标题 1">
             <a:extLst>
               <a:ext uri="{FF2B5EF4-FFF2-40B4-BE49-F238E27FC236}">
-                <a16:creationId xmlns:a16="http://schemas.microsoft.com/office/drawing/2014/main" id="{6FD056CC-331F-EE8E-D0BA-B9317809ED65}"/>
+                <a16:creationId xmlns:a16="http://schemas.microsoft.com/office/drawing/2014/main" id="{D7F80AA7-8652-29EC-8121-C76090BA48C3}"/>
               </a:ext>
             </a:extLst>
           </p:cNvPr>
@@ -377,7 +377,7 @@
           <p:cNvPr id="3" name="竖排文字占位符 2">
             <a:extLst>
               <a:ext uri="{FF2B5EF4-FFF2-40B4-BE49-F238E27FC236}">
-                <a16:creationId xmlns:a16="http://schemas.microsoft.com/office/drawing/2014/main" id="{0599AB5F-9CCC-698D-B865-F4814A7C9FD0}"/>
+                <a16:creationId xmlns:a16="http://schemas.microsoft.com/office/drawing/2014/main" id="{1CA6FD50-3DD3-E875-C6AC-DBF7D066A193}"/>
               </a:ext>
             </a:extLst>
           </p:cNvPr>
@@ -434,7 +434,7 @@
           <p:cNvPr id="4" name="日期占位符 3">
             <a:extLst>
               <a:ext uri="{FF2B5EF4-FFF2-40B4-BE49-F238E27FC236}">
-                <a16:creationId xmlns:a16="http://schemas.microsoft.com/office/drawing/2014/main" id="{FE3287AB-9548-FC71-E00E-F910299019EC}"/>
+                <a16:creationId xmlns:a16="http://schemas.microsoft.com/office/drawing/2014/main" id="{331F5002-CBCC-2093-DFA7-6BCEE81F96C6}"/>
               </a:ext>
             </a:extLst>
           </p:cNvPr>
@@ -450,7 +450,7 @@
           <a:bodyPr/>
           <a:lstStyle/>
           <a:p>
-            <a:fld id="{1EE09E9A-7C59-40EA-B07F-696644A08B0B}" type="datetimeFigureOut">
+            <a:fld id="{FC1D3548-F8F4-44C0-86CF-F2A953CF6334}" type="datetimeFigureOut">
               <a:rPr lang="zh-CN" altLang="en-US" smtClean="0"/>
               <a:t>2024/3/10</a:t>
             </a:fld>
@@ -463,7 +463,7 @@
           <p:cNvPr id="5" name="页脚占位符 4">
             <a:extLst>
               <a:ext uri="{FF2B5EF4-FFF2-40B4-BE49-F238E27FC236}">
-                <a16:creationId xmlns:a16="http://schemas.microsoft.com/office/drawing/2014/main" id="{276717B5-C9AB-DE08-6289-8436230FEB2E}"/>
+                <a16:creationId xmlns:a16="http://schemas.microsoft.com/office/drawing/2014/main" id="{32B11E8B-4827-237A-A791-1E4D58DF3A4B}"/>
               </a:ext>
             </a:extLst>
           </p:cNvPr>
@@ -488,7 +488,7 @@
           <p:cNvPr id="6" name="灯片编号占位符 5">
             <a:extLst>
               <a:ext uri="{FF2B5EF4-FFF2-40B4-BE49-F238E27FC236}">
-                <a16:creationId xmlns:a16="http://schemas.microsoft.com/office/drawing/2014/main" id="{17C325AB-CA45-8DE8-0B45-C89647AF7230}"/>
+                <a16:creationId xmlns:a16="http://schemas.microsoft.com/office/drawing/2014/main" id="{EC6E4344-10A2-F757-D6AB-683F60C79FCC}"/>
               </a:ext>
             </a:extLst>
           </p:cNvPr>
@@ -504,7 +504,7 @@
           <a:bodyPr/>
           <a:lstStyle/>
           <a:p>
-            <a:fld id="{7B3D1A69-A019-4E7D-AFF2-CCD49CD43C08}" type="slidenum">
+            <a:fld id="{49891F30-CC92-4489-BE62-75E2C3E42EBB}" type="slidenum">
               <a:rPr lang="zh-CN" altLang="en-US" smtClean="0"/>
               <a:t>‹#›</a:t>
             </a:fld>
@@ -515,7 +515,7 @@
     </p:spTree>
     <p:extLst>
       <p:ext uri="{BB962C8B-B14F-4D97-AF65-F5344CB8AC3E}">
-        <p14:creationId xmlns:p14="http://schemas.microsoft.com/office/powerpoint/2010/main" val="1112500157"/>
+        <p14:creationId xmlns:p14="http://schemas.microsoft.com/office/powerpoint/2010/main" val="2293238068"/>
       </p:ext>
     </p:extLst>
   </p:cSld>
@@ -547,7 +547,7 @@
           <p:cNvPr id="2" name="竖排标题 1">
             <a:extLst>
               <a:ext uri="{FF2B5EF4-FFF2-40B4-BE49-F238E27FC236}">
-                <a16:creationId xmlns:a16="http://schemas.microsoft.com/office/drawing/2014/main" id="{E52D874F-9A7D-0C34-7A6B-D501233C8529}"/>
+                <a16:creationId xmlns:a16="http://schemas.microsoft.com/office/drawing/2014/main" id="{21354A59-06C2-C86A-B5DF-D69FC2A45B86}"/>
               </a:ext>
             </a:extLst>
           </p:cNvPr>
@@ -580,7 +580,7 @@
           <p:cNvPr id="3" name="竖排文字占位符 2">
             <a:extLst>
               <a:ext uri="{FF2B5EF4-FFF2-40B4-BE49-F238E27FC236}">
-                <a16:creationId xmlns:a16="http://schemas.microsoft.com/office/drawing/2014/main" id="{6A686301-FC58-F1AF-5A07-AF21C1931066}"/>
+                <a16:creationId xmlns:a16="http://schemas.microsoft.com/office/drawing/2014/main" id="{1CFE99B3-35F4-7EBD-FF10-22801F7842DE}"/>
               </a:ext>
             </a:extLst>
           </p:cNvPr>
@@ -642,7 +642,7 @@
           <p:cNvPr id="4" name="日期占位符 3">
             <a:extLst>
               <a:ext uri="{FF2B5EF4-FFF2-40B4-BE49-F238E27FC236}">
-                <a16:creationId xmlns:a16="http://schemas.microsoft.com/office/drawing/2014/main" id="{0D892F38-8598-D475-CA82-2D93B49850AB}"/>
+                <a16:creationId xmlns:a16="http://schemas.microsoft.com/office/drawing/2014/main" id="{1130C5A5-0B2C-111E-31F5-9A923690DA2F}"/>
               </a:ext>
             </a:extLst>
           </p:cNvPr>
@@ -658,7 +658,7 @@
           <a:bodyPr/>
           <a:lstStyle/>
           <a:p>
-            <a:fld id="{1EE09E9A-7C59-40EA-B07F-696644A08B0B}" type="datetimeFigureOut">
+            <a:fld id="{FC1D3548-F8F4-44C0-86CF-F2A953CF6334}" type="datetimeFigureOut">
               <a:rPr lang="zh-CN" altLang="en-US" smtClean="0"/>
               <a:t>2024/3/10</a:t>
             </a:fld>
@@ -671,7 +671,7 @@
           <p:cNvPr id="5" name="页脚占位符 4">
             <a:extLst>
               <a:ext uri="{FF2B5EF4-FFF2-40B4-BE49-F238E27FC236}">
-                <a16:creationId xmlns:a16="http://schemas.microsoft.com/office/drawing/2014/main" id="{CBA3F169-900A-13A9-FBD2-23FC563B8760}"/>
+                <a16:creationId xmlns:a16="http://schemas.microsoft.com/office/drawing/2014/main" id="{D4C5FE57-B9F3-6BB8-8F9A-E565F978746D}"/>
               </a:ext>
             </a:extLst>
           </p:cNvPr>
@@ -696,7 +696,7 @@
           <p:cNvPr id="6" name="灯片编号占位符 5">
             <a:extLst>
               <a:ext uri="{FF2B5EF4-FFF2-40B4-BE49-F238E27FC236}">
-                <a16:creationId xmlns:a16="http://schemas.microsoft.com/office/drawing/2014/main" id="{52285570-0F06-794C-16B9-3D52E3FFA02C}"/>
+                <a16:creationId xmlns:a16="http://schemas.microsoft.com/office/drawing/2014/main" id="{480107F7-F282-312A-3FED-B599056E8E5E}"/>
               </a:ext>
             </a:extLst>
           </p:cNvPr>
@@ -712,7 +712,7 @@
           <a:bodyPr/>
           <a:lstStyle/>
           <a:p>
-            <a:fld id="{7B3D1A69-A019-4E7D-AFF2-CCD49CD43C08}" type="slidenum">
+            <a:fld id="{49891F30-CC92-4489-BE62-75E2C3E42EBB}" type="slidenum">
               <a:rPr lang="zh-CN" altLang="en-US" smtClean="0"/>
               <a:t>‹#›</a:t>
             </a:fld>
@@ -723,7 +723,7 @@
     </p:spTree>
     <p:extLst>
       <p:ext uri="{BB962C8B-B14F-4D97-AF65-F5344CB8AC3E}">
-        <p14:creationId xmlns:p14="http://schemas.microsoft.com/office/powerpoint/2010/main" val="1472126309"/>
+        <p14:creationId xmlns:p14="http://schemas.microsoft.com/office/powerpoint/2010/main" val="3396028872"/>
       </p:ext>
     </p:extLst>
   </p:cSld>
@@ -755,7 +755,7 @@
           <p:cNvPr id="2" name="标题 1">
             <a:extLst>
               <a:ext uri="{FF2B5EF4-FFF2-40B4-BE49-F238E27FC236}">
-                <a16:creationId xmlns:a16="http://schemas.microsoft.com/office/drawing/2014/main" id="{06DA0269-9DD3-0431-30EF-3061A3ACD8ED}"/>
+                <a16:creationId xmlns:a16="http://schemas.microsoft.com/office/drawing/2014/main" id="{A48BB52B-B1FD-AE4A-A8A7-BE5D54A1F37B}"/>
               </a:ext>
             </a:extLst>
           </p:cNvPr>
@@ -783,7 +783,7 @@
           <p:cNvPr id="3" name="内容占位符 2">
             <a:extLst>
               <a:ext uri="{FF2B5EF4-FFF2-40B4-BE49-F238E27FC236}">
-                <a16:creationId xmlns:a16="http://schemas.microsoft.com/office/drawing/2014/main" id="{32B4D4F3-1766-1CA3-2A36-2A5E460D96F9}"/>
+                <a16:creationId xmlns:a16="http://schemas.microsoft.com/office/drawing/2014/main" id="{717749B8-A370-1E05-B350-D43BDC494864}"/>
               </a:ext>
             </a:extLst>
           </p:cNvPr>
@@ -840,7 +840,7 @@
           <p:cNvPr id="4" name="日期占位符 3">
             <a:extLst>
               <a:ext uri="{FF2B5EF4-FFF2-40B4-BE49-F238E27FC236}">
-                <a16:creationId xmlns:a16="http://schemas.microsoft.com/office/drawing/2014/main" id="{706512D4-6895-D0EE-4B24-B01FD2595479}"/>
+                <a16:creationId xmlns:a16="http://schemas.microsoft.com/office/drawing/2014/main" id="{53CFB894-FEBC-0D51-4F01-ECC5877B1A7A}"/>
               </a:ext>
             </a:extLst>
           </p:cNvPr>
@@ -856,7 +856,7 @@
           <a:bodyPr/>
           <a:lstStyle/>
           <a:p>
-            <a:fld id="{1EE09E9A-7C59-40EA-B07F-696644A08B0B}" type="datetimeFigureOut">
+            <a:fld id="{FC1D3548-F8F4-44C0-86CF-F2A953CF6334}" type="datetimeFigureOut">
               <a:rPr lang="zh-CN" altLang="en-US" smtClean="0"/>
               <a:t>2024/3/10</a:t>
             </a:fld>
@@ -869,7 +869,7 @@
           <p:cNvPr id="5" name="页脚占位符 4">
             <a:extLst>
               <a:ext uri="{FF2B5EF4-FFF2-40B4-BE49-F238E27FC236}">
-                <a16:creationId xmlns:a16="http://schemas.microsoft.com/office/drawing/2014/main" id="{B36A7C9C-8807-EC6D-C2BF-30C9E339D701}"/>
+                <a16:creationId xmlns:a16="http://schemas.microsoft.com/office/drawing/2014/main" id="{69876C4E-08C9-798A-FDC3-520D54F0DA32}"/>
               </a:ext>
             </a:extLst>
           </p:cNvPr>
@@ -894,7 +894,7 @@
           <p:cNvPr id="6" name="灯片编号占位符 5">
             <a:extLst>
               <a:ext uri="{FF2B5EF4-FFF2-40B4-BE49-F238E27FC236}">
-                <a16:creationId xmlns:a16="http://schemas.microsoft.com/office/drawing/2014/main" id="{8997FB80-E8C6-C17E-824B-B3BF73812B9A}"/>
+                <a16:creationId xmlns:a16="http://schemas.microsoft.com/office/drawing/2014/main" id="{BB76A71A-E40C-EE09-9341-A1DDF67F7E21}"/>
               </a:ext>
             </a:extLst>
           </p:cNvPr>
@@ -910,7 +910,7 @@
           <a:bodyPr/>
           <a:lstStyle/>
           <a:p>
-            <a:fld id="{7B3D1A69-A019-4E7D-AFF2-CCD49CD43C08}" type="slidenum">
+            <a:fld id="{49891F30-CC92-4489-BE62-75E2C3E42EBB}" type="slidenum">
               <a:rPr lang="zh-CN" altLang="en-US" smtClean="0"/>
               <a:t>‹#›</a:t>
             </a:fld>
@@ -921,7 +921,7 @@
     </p:spTree>
     <p:extLst>
       <p:ext uri="{BB962C8B-B14F-4D97-AF65-F5344CB8AC3E}">
-        <p14:creationId xmlns:p14="http://schemas.microsoft.com/office/powerpoint/2010/main" val="3485754759"/>
+        <p14:creationId xmlns:p14="http://schemas.microsoft.com/office/powerpoint/2010/main" val="1527876653"/>
       </p:ext>
     </p:extLst>
   </p:cSld>
@@ -953,7 +953,7 @@
           <p:cNvPr id="2" name="标题 1">
             <a:extLst>
               <a:ext uri="{FF2B5EF4-FFF2-40B4-BE49-F238E27FC236}">
-                <a16:creationId xmlns:a16="http://schemas.microsoft.com/office/drawing/2014/main" id="{AAD4E60B-FF9F-C5F8-0C21-D4767CC061B1}"/>
+                <a16:creationId xmlns:a16="http://schemas.microsoft.com/office/drawing/2014/main" id="{F8F2C7ED-5FAA-4680-C745-5A3AE98D747D}"/>
               </a:ext>
             </a:extLst>
           </p:cNvPr>
@@ -990,7 +990,7 @@
           <p:cNvPr id="3" name="文本占位符 2">
             <a:extLst>
               <a:ext uri="{FF2B5EF4-FFF2-40B4-BE49-F238E27FC236}">
-                <a16:creationId xmlns:a16="http://schemas.microsoft.com/office/drawing/2014/main" id="{9A090A67-57D8-B6A0-999C-3C9F6836C65C}"/>
+                <a16:creationId xmlns:a16="http://schemas.microsoft.com/office/drawing/2014/main" id="{2FF20EF1-740C-31AD-18E3-E1187015F932}"/>
               </a:ext>
             </a:extLst>
           </p:cNvPr>
@@ -1115,7 +1115,7 @@
           <p:cNvPr id="4" name="日期占位符 3">
             <a:extLst>
               <a:ext uri="{FF2B5EF4-FFF2-40B4-BE49-F238E27FC236}">
-                <a16:creationId xmlns:a16="http://schemas.microsoft.com/office/drawing/2014/main" id="{14958418-48F3-FA04-7A22-1E2498EC04F3}"/>
+                <a16:creationId xmlns:a16="http://schemas.microsoft.com/office/drawing/2014/main" id="{310AE6CC-CFA2-7832-F5E6-9F17B831DA74}"/>
               </a:ext>
             </a:extLst>
           </p:cNvPr>
@@ -1131,7 +1131,7 @@
           <a:bodyPr/>
           <a:lstStyle/>
           <a:p>
-            <a:fld id="{1EE09E9A-7C59-40EA-B07F-696644A08B0B}" type="datetimeFigureOut">
+            <a:fld id="{FC1D3548-F8F4-44C0-86CF-F2A953CF6334}" type="datetimeFigureOut">
               <a:rPr lang="zh-CN" altLang="en-US" smtClean="0"/>
               <a:t>2024/3/10</a:t>
             </a:fld>
@@ -1144,7 +1144,7 @@
           <p:cNvPr id="5" name="页脚占位符 4">
             <a:extLst>
               <a:ext uri="{FF2B5EF4-FFF2-40B4-BE49-F238E27FC236}">
-                <a16:creationId xmlns:a16="http://schemas.microsoft.com/office/drawing/2014/main" id="{700BC339-3864-FAC3-2FD2-B02607B0C78C}"/>
+                <a16:creationId xmlns:a16="http://schemas.microsoft.com/office/drawing/2014/main" id="{064E7D40-B913-2D61-517D-03B5944C9864}"/>
               </a:ext>
             </a:extLst>
           </p:cNvPr>
@@ -1169,7 +1169,7 @@
           <p:cNvPr id="6" name="灯片编号占位符 5">
             <a:extLst>
               <a:ext uri="{FF2B5EF4-FFF2-40B4-BE49-F238E27FC236}">
-                <a16:creationId xmlns:a16="http://schemas.microsoft.com/office/drawing/2014/main" id="{BBEDDFD2-052F-572C-6880-A5F2E92438AF}"/>
+                <a16:creationId xmlns:a16="http://schemas.microsoft.com/office/drawing/2014/main" id="{F9A220A2-05DC-6813-87F3-335203646DB3}"/>
               </a:ext>
             </a:extLst>
           </p:cNvPr>
@@ -1185,7 +1185,7 @@
           <a:bodyPr/>
           <a:lstStyle/>
           <a:p>
-            <a:fld id="{7B3D1A69-A019-4E7D-AFF2-CCD49CD43C08}" type="slidenum">
+            <a:fld id="{49891F30-CC92-4489-BE62-75E2C3E42EBB}" type="slidenum">
               <a:rPr lang="zh-CN" altLang="en-US" smtClean="0"/>
               <a:t>‹#›</a:t>
             </a:fld>
@@ -1196,7 +1196,7 @@
     </p:spTree>
     <p:extLst>
       <p:ext uri="{BB962C8B-B14F-4D97-AF65-F5344CB8AC3E}">
-        <p14:creationId xmlns:p14="http://schemas.microsoft.com/office/powerpoint/2010/main" val="632823754"/>
+        <p14:creationId xmlns:p14="http://schemas.microsoft.com/office/powerpoint/2010/main" val="1248820646"/>
       </p:ext>
     </p:extLst>
   </p:cSld>
@@ -1228,7 +1228,7 @@
           <p:cNvPr id="2" name="标题 1">
             <a:extLst>
               <a:ext uri="{FF2B5EF4-FFF2-40B4-BE49-F238E27FC236}">
-                <a16:creationId xmlns:a16="http://schemas.microsoft.com/office/drawing/2014/main" id="{9B0AE914-38DC-C93D-5C09-5E8588559B19}"/>
+                <a16:creationId xmlns:a16="http://schemas.microsoft.com/office/drawing/2014/main" id="{641FD069-DE41-ED95-E048-40CD5A7A0FB0}"/>
               </a:ext>
             </a:extLst>
           </p:cNvPr>
@@ -1256,7 +1256,7 @@
           <p:cNvPr id="3" name="内容占位符 2">
             <a:extLst>
               <a:ext uri="{FF2B5EF4-FFF2-40B4-BE49-F238E27FC236}">
-                <a16:creationId xmlns:a16="http://schemas.microsoft.com/office/drawing/2014/main" id="{FD3171B8-A7FF-C13D-9330-C9455FD5F909}"/>
+                <a16:creationId xmlns:a16="http://schemas.microsoft.com/office/drawing/2014/main" id="{FBDD5295-1449-0786-41C2-6B819558A55B}"/>
               </a:ext>
             </a:extLst>
           </p:cNvPr>
@@ -1318,7 +1318,7 @@
           <p:cNvPr id="4" name="内容占位符 3">
             <a:extLst>
               <a:ext uri="{FF2B5EF4-FFF2-40B4-BE49-F238E27FC236}">
-                <a16:creationId xmlns:a16="http://schemas.microsoft.com/office/drawing/2014/main" id="{25FC9B6E-6B8B-FEC7-85F0-62F83BAD6474}"/>
+                <a16:creationId xmlns:a16="http://schemas.microsoft.com/office/drawing/2014/main" id="{AB5960E9-68F3-09CC-3844-D07E4CD2DC96}"/>
               </a:ext>
             </a:extLst>
           </p:cNvPr>
@@ -1380,7 +1380,7 @@
           <p:cNvPr id="5" name="日期占位符 4">
             <a:extLst>
               <a:ext uri="{FF2B5EF4-FFF2-40B4-BE49-F238E27FC236}">
-                <a16:creationId xmlns:a16="http://schemas.microsoft.com/office/drawing/2014/main" id="{8246F93D-501E-FB4F-39B7-7D4F66E23A2E}"/>
+                <a16:creationId xmlns:a16="http://schemas.microsoft.com/office/drawing/2014/main" id="{4D6D1810-B714-1A8E-31E3-A6B11B9DCD27}"/>
               </a:ext>
             </a:extLst>
           </p:cNvPr>
@@ -1396,7 +1396,7 @@
           <a:bodyPr/>
           <a:lstStyle/>
           <a:p>
-            <a:fld id="{1EE09E9A-7C59-40EA-B07F-696644A08B0B}" type="datetimeFigureOut">
+            <a:fld id="{FC1D3548-F8F4-44C0-86CF-F2A953CF6334}" type="datetimeFigureOut">
               <a:rPr lang="zh-CN" altLang="en-US" smtClean="0"/>
               <a:t>2024/3/10</a:t>
             </a:fld>
@@ -1409,7 +1409,7 @@
           <p:cNvPr id="6" name="页脚占位符 5">
             <a:extLst>
               <a:ext uri="{FF2B5EF4-FFF2-40B4-BE49-F238E27FC236}">
-                <a16:creationId xmlns:a16="http://schemas.microsoft.com/office/drawing/2014/main" id="{FEB13F5A-ED68-7A82-ACAE-D7BFC9290DDC}"/>
+                <a16:creationId xmlns:a16="http://schemas.microsoft.com/office/drawing/2014/main" id="{EFC439FE-2F6C-B052-EAE9-0443946ADF21}"/>
               </a:ext>
             </a:extLst>
           </p:cNvPr>
@@ -1434,7 +1434,7 @@
           <p:cNvPr id="7" name="灯片编号占位符 6">
             <a:extLst>
               <a:ext uri="{FF2B5EF4-FFF2-40B4-BE49-F238E27FC236}">
-                <a16:creationId xmlns:a16="http://schemas.microsoft.com/office/drawing/2014/main" id="{D0ABE909-B132-5F60-055E-EEF66949C215}"/>
+                <a16:creationId xmlns:a16="http://schemas.microsoft.com/office/drawing/2014/main" id="{70AF8F6D-CC78-BE22-9AA6-CCF5145F05E8}"/>
               </a:ext>
             </a:extLst>
           </p:cNvPr>
@@ -1450,7 +1450,7 @@
           <a:bodyPr/>
           <a:lstStyle/>
           <a:p>
-            <a:fld id="{7B3D1A69-A019-4E7D-AFF2-CCD49CD43C08}" type="slidenum">
+            <a:fld id="{49891F30-CC92-4489-BE62-75E2C3E42EBB}" type="slidenum">
               <a:rPr lang="zh-CN" altLang="en-US" smtClean="0"/>
               <a:t>‹#›</a:t>
             </a:fld>
@@ -1461,7 +1461,7 @@
     </p:spTree>
     <p:extLst>
       <p:ext uri="{BB962C8B-B14F-4D97-AF65-F5344CB8AC3E}">
-        <p14:creationId xmlns:p14="http://schemas.microsoft.com/office/powerpoint/2010/main" val="2591601303"/>
+        <p14:creationId xmlns:p14="http://schemas.microsoft.com/office/powerpoint/2010/main" val="3311583603"/>
       </p:ext>
     </p:extLst>
   </p:cSld>
@@ -1493,7 +1493,7 @@
           <p:cNvPr id="2" name="标题 1">
             <a:extLst>
               <a:ext uri="{FF2B5EF4-FFF2-40B4-BE49-F238E27FC236}">
-                <a16:creationId xmlns:a16="http://schemas.microsoft.com/office/drawing/2014/main" id="{12871850-5165-09A2-D04B-CC92554952DA}"/>
+                <a16:creationId xmlns:a16="http://schemas.microsoft.com/office/drawing/2014/main" id="{17FC1B72-7629-619C-4204-CBCC6B077894}"/>
               </a:ext>
             </a:extLst>
           </p:cNvPr>
@@ -1526,7 +1526,7 @@
           <p:cNvPr id="3" name="文本占位符 2">
             <a:extLst>
               <a:ext uri="{FF2B5EF4-FFF2-40B4-BE49-F238E27FC236}">
-                <a16:creationId xmlns:a16="http://schemas.microsoft.com/office/drawing/2014/main" id="{A11CC3D5-919F-872D-A6D6-F3FF747CFC56}"/>
+                <a16:creationId xmlns:a16="http://schemas.microsoft.com/office/drawing/2014/main" id="{01F31C1B-F124-79F5-A5B2-7D932BC5EAC6}"/>
               </a:ext>
             </a:extLst>
           </p:cNvPr>
@@ -1597,7 +1597,7 @@
           <p:cNvPr id="4" name="内容占位符 3">
             <a:extLst>
               <a:ext uri="{FF2B5EF4-FFF2-40B4-BE49-F238E27FC236}">
-                <a16:creationId xmlns:a16="http://schemas.microsoft.com/office/drawing/2014/main" id="{497C0F0C-5374-B5A6-B343-E97A442B72F6}"/>
+                <a16:creationId xmlns:a16="http://schemas.microsoft.com/office/drawing/2014/main" id="{37A7BE8D-A0FA-3ED6-45AB-C6843EC53A44}"/>
               </a:ext>
             </a:extLst>
           </p:cNvPr>
@@ -1659,7 +1659,7 @@
           <p:cNvPr id="5" name="文本占位符 4">
             <a:extLst>
               <a:ext uri="{FF2B5EF4-FFF2-40B4-BE49-F238E27FC236}">
-                <a16:creationId xmlns:a16="http://schemas.microsoft.com/office/drawing/2014/main" id="{4617961E-5707-C68A-156A-F2CBF864235D}"/>
+                <a16:creationId xmlns:a16="http://schemas.microsoft.com/office/drawing/2014/main" id="{85F71093-3B18-0A2F-32EC-827B208DF00F}"/>
               </a:ext>
             </a:extLst>
           </p:cNvPr>
@@ -1730,7 +1730,7 @@
           <p:cNvPr id="6" name="内容占位符 5">
             <a:extLst>
               <a:ext uri="{FF2B5EF4-FFF2-40B4-BE49-F238E27FC236}">
-                <a16:creationId xmlns:a16="http://schemas.microsoft.com/office/drawing/2014/main" id="{9FF18AE0-77CF-C2B0-031A-072B82AA6856}"/>
+                <a16:creationId xmlns:a16="http://schemas.microsoft.com/office/drawing/2014/main" id="{78BE11DC-8A82-DBEC-456C-DD983A5760E9}"/>
               </a:ext>
             </a:extLst>
           </p:cNvPr>
@@ -1792,7 +1792,7 @@
           <p:cNvPr id="7" name="日期占位符 6">
             <a:extLst>
               <a:ext uri="{FF2B5EF4-FFF2-40B4-BE49-F238E27FC236}">
-                <a16:creationId xmlns:a16="http://schemas.microsoft.com/office/drawing/2014/main" id="{39B8F830-FD7C-3673-9A9D-E5A4F0142E1D}"/>
+                <a16:creationId xmlns:a16="http://schemas.microsoft.com/office/drawing/2014/main" id="{5C56DA9D-F159-BE7B-191F-85A00980CC5E}"/>
               </a:ext>
             </a:extLst>
           </p:cNvPr>
@@ -1808,7 +1808,7 @@
           <a:bodyPr/>
           <a:lstStyle/>
           <a:p>
-            <a:fld id="{1EE09E9A-7C59-40EA-B07F-696644A08B0B}" type="datetimeFigureOut">
+            <a:fld id="{FC1D3548-F8F4-44C0-86CF-F2A953CF6334}" type="datetimeFigureOut">
               <a:rPr lang="zh-CN" altLang="en-US" smtClean="0"/>
               <a:t>2024/3/10</a:t>
             </a:fld>
@@ -1821,7 +1821,7 @@
           <p:cNvPr id="8" name="页脚占位符 7">
             <a:extLst>
               <a:ext uri="{FF2B5EF4-FFF2-40B4-BE49-F238E27FC236}">
-                <a16:creationId xmlns:a16="http://schemas.microsoft.com/office/drawing/2014/main" id="{F8AC3467-BE49-F2EC-E6CF-A7C6D390508D}"/>
+                <a16:creationId xmlns:a16="http://schemas.microsoft.com/office/drawing/2014/main" id="{ECB44D6D-1399-38F2-2499-3E4F158E30E5}"/>
               </a:ext>
             </a:extLst>
           </p:cNvPr>
@@ -1846,7 +1846,7 @@
           <p:cNvPr id="9" name="灯片编号占位符 8">
             <a:extLst>
               <a:ext uri="{FF2B5EF4-FFF2-40B4-BE49-F238E27FC236}">
-                <a16:creationId xmlns:a16="http://schemas.microsoft.com/office/drawing/2014/main" id="{25FDB927-68C6-D4D7-2255-766B0ED1C683}"/>
+                <a16:creationId xmlns:a16="http://schemas.microsoft.com/office/drawing/2014/main" id="{502DE136-8D18-1804-7243-CFC3BE203014}"/>
               </a:ext>
             </a:extLst>
           </p:cNvPr>
@@ -1862,7 +1862,7 @@
           <a:bodyPr/>
           <a:lstStyle/>
           <a:p>
-            <a:fld id="{7B3D1A69-A019-4E7D-AFF2-CCD49CD43C08}" type="slidenum">
+            <a:fld id="{49891F30-CC92-4489-BE62-75E2C3E42EBB}" type="slidenum">
               <a:rPr lang="zh-CN" altLang="en-US" smtClean="0"/>
               <a:t>‹#›</a:t>
             </a:fld>
@@ -1873,7 +1873,7 @@
     </p:spTree>
     <p:extLst>
       <p:ext uri="{BB962C8B-B14F-4D97-AF65-F5344CB8AC3E}">
-        <p14:creationId xmlns:p14="http://schemas.microsoft.com/office/powerpoint/2010/main" val="970501014"/>
+        <p14:creationId xmlns:p14="http://schemas.microsoft.com/office/powerpoint/2010/main" val="2869151824"/>
       </p:ext>
     </p:extLst>
   </p:cSld>
@@ -1905,7 +1905,7 @@
           <p:cNvPr id="2" name="标题 1">
             <a:extLst>
               <a:ext uri="{FF2B5EF4-FFF2-40B4-BE49-F238E27FC236}">
-                <a16:creationId xmlns:a16="http://schemas.microsoft.com/office/drawing/2014/main" id="{64E6CC49-5BAF-AD18-BA8B-7E0597AB33DB}"/>
+                <a16:creationId xmlns:a16="http://schemas.microsoft.com/office/drawing/2014/main" id="{28011EC7-E12D-1C57-972C-CBC7E4964546}"/>
               </a:ext>
             </a:extLst>
           </p:cNvPr>
@@ -1933,7 +1933,7 @@
           <p:cNvPr id="3" name="日期占位符 2">
             <a:extLst>
               <a:ext uri="{FF2B5EF4-FFF2-40B4-BE49-F238E27FC236}">
-                <a16:creationId xmlns:a16="http://schemas.microsoft.com/office/drawing/2014/main" id="{DDD24A93-11B9-56CE-B7E5-BCBBD1CEF0E3}"/>
+                <a16:creationId xmlns:a16="http://schemas.microsoft.com/office/drawing/2014/main" id="{E6CD9B3F-F13F-742D-0015-D3D734D4CF16}"/>
               </a:ext>
             </a:extLst>
           </p:cNvPr>
@@ -1949,7 +1949,7 @@
           <a:bodyPr/>
           <a:lstStyle/>
           <a:p>
-            <a:fld id="{1EE09E9A-7C59-40EA-B07F-696644A08B0B}" type="datetimeFigureOut">
+            <a:fld id="{FC1D3548-F8F4-44C0-86CF-F2A953CF6334}" type="datetimeFigureOut">
               <a:rPr lang="zh-CN" altLang="en-US" smtClean="0"/>
               <a:t>2024/3/10</a:t>
             </a:fld>
@@ -1962,7 +1962,7 @@
           <p:cNvPr id="4" name="页脚占位符 3">
             <a:extLst>
               <a:ext uri="{FF2B5EF4-FFF2-40B4-BE49-F238E27FC236}">
-                <a16:creationId xmlns:a16="http://schemas.microsoft.com/office/drawing/2014/main" id="{8E94F751-C5E5-262E-9334-A162C2AFFCFE}"/>
+                <a16:creationId xmlns:a16="http://schemas.microsoft.com/office/drawing/2014/main" id="{799C4BE3-80B5-FA99-EF5F-6B9A7F6C36C1}"/>
               </a:ext>
             </a:extLst>
           </p:cNvPr>
@@ -1987,7 +1987,7 @@
           <p:cNvPr id="5" name="灯片编号占位符 4">
             <a:extLst>
               <a:ext uri="{FF2B5EF4-FFF2-40B4-BE49-F238E27FC236}">
-                <a16:creationId xmlns:a16="http://schemas.microsoft.com/office/drawing/2014/main" id="{108779A3-9E49-FC89-940A-4DEAF5BCC81A}"/>
+                <a16:creationId xmlns:a16="http://schemas.microsoft.com/office/drawing/2014/main" id="{7FC88DA6-A6B6-CA39-7FF1-967E9B875B53}"/>
               </a:ext>
             </a:extLst>
           </p:cNvPr>
@@ -2003,7 +2003,7 @@
           <a:bodyPr/>
           <a:lstStyle/>
           <a:p>
-            <a:fld id="{7B3D1A69-A019-4E7D-AFF2-CCD49CD43C08}" type="slidenum">
+            <a:fld id="{49891F30-CC92-4489-BE62-75E2C3E42EBB}" type="slidenum">
               <a:rPr lang="zh-CN" altLang="en-US" smtClean="0"/>
               <a:t>‹#›</a:t>
             </a:fld>
@@ -2014,7 +2014,7 @@
     </p:spTree>
     <p:extLst>
       <p:ext uri="{BB962C8B-B14F-4D97-AF65-F5344CB8AC3E}">
-        <p14:creationId xmlns:p14="http://schemas.microsoft.com/office/powerpoint/2010/main" val="3044931954"/>
+        <p14:creationId xmlns:p14="http://schemas.microsoft.com/office/powerpoint/2010/main" val="51643953"/>
       </p:ext>
     </p:extLst>
   </p:cSld>
@@ -2046,7 +2046,7 @@
           <p:cNvPr id="2" name="日期占位符 1">
             <a:extLst>
               <a:ext uri="{FF2B5EF4-FFF2-40B4-BE49-F238E27FC236}">
-                <a16:creationId xmlns:a16="http://schemas.microsoft.com/office/drawing/2014/main" id="{B3ACC710-FA6B-D620-7792-A2459830251D}"/>
+                <a16:creationId xmlns:a16="http://schemas.microsoft.com/office/drawing/2014/main" id="{6DAD2585-F57B-6034-46E9-2A132006F9EA}"/>
               </a:ext>
             </a:extLst>
           </p:cNvPr>
@@ -2062,7 +2062,7 @@
           <a:bodyPr/>
           <a:lstStyle/>
           <a:p>
-            <a:fld id="{1EE09E9A-7C59-40EA-B07F-696644A08B0B}" type="datetimeFigureOut">
+            <a:fld id="{FC1D3548-F8F4-44C0-86CF-F2A953CF6334}" type="datetimeFigureOut">
               <a:rPr lang="zh-CN" altLang="en-US" smtClean="0"/>
               <a:t>2024/3/10</a:t>
             </a:fld>
@@ -2075,7 +2075,7 @@
           <p:cNvPr id="3" name="页脚占位符 2">
             <a:extLst>
               <a:ext uri="{FF2B5EF4-FFF2-40B4-BE49-F238E27FC236}">
-                <a16:creationId xmlns:a16="http://schemas.microsoft.com/office/drawing/2014/main" id="{45C822EF-466D-3A90-B091-B4D264C689D0}"/>
+                <a16:creationId xmlns:a16="http://schemas.microsoft.com/office/drawing/2014/main" id="{1D274071-1BCF-8334-6352-A8B7C5C8B871}"/>
               </a:ext>
             </a:extLst>
           </p:cNvPr>
@@ -2100,7 +2100,7 @@
           <p:cNvPr id="4" name="灯片编号占位符 3">
             <a:extLst>
               <a:ext uri="{FF2B5EF4-FFF2-40B4-BE49-F238E27FC236}">
-                <a16:creationId xmlns:a16="http://schemas.microsoft.com/office/drawing/2014/main" id="{45BD0933-C862-D5C9-5C43-030F7141F5D5}"/>
+                <a16:creationId xmlns:a16="http://schemas.microsoft.com/office/drawing/2014/main" id="{6DEF02B4-1D5A-AE29-6218-651C654FF69C}"/>
               </a:ext>
             </a:extLst>
           </p:cNvPr>
@@ -2116,7 +2116,7 @@
           <a:bodyPr/>
           <a:lstStyle/>
           <a:p>
-            <a:fld id="{7B3D1A69-A019-4E7D-AFF2-CCD49CD43C08}" type="slidenum">
+            <a:fld id="{49891F30-CC92-4489-BE62-75E2C3E42EBB}" type="slidenum">
               <a:rPr lang="zh-CN" altLang="en-US" smtClean="0"/>
               <a:t>‹#›</a:t>
             </a:fld>
@@ -2127,7 +2127,7 @@
     </p:spTree>
     <p:extLst>
       <p:ext uri="{BB962C8B-B14F-4D97-AF65-F5344CB8AC3E}">
-        <p14:creationId xmlns:p14="http://schemas.microsoft.com/office/powerpoint/2010/main" val="1140309807"/>
+        <p14:creationId xmlns:p14="http://schemas.microsoft.com/office/powerpoint/2010/main" val="3486835004"/>
       </p:ext>
     </p:extLst>
   </p:cSld>
@@ -2159,7 +2159,7 @@
           <p:cNvPr id="2" name="标题 1">
             <a:extLst>
               <a:ext uri="{FF2B5EF4-FFF2-40B4-BE49-F238E27FC236}">
-                <a16:creationId xmlns:a16="http://schemas.microsoft.com/office/drawing/2014/main" id="{30142A50-8B42-0650-2B92-FD473D7EBD1E}"/>
+                <a16:creationId xmlns:a16="http://schemas.microsoft.com/office/drawing/2014/main" id="{0E62A909-2249-F52A-00FA-775C3CCC1E78}"/>
               </a:ext>
             </a:extLst>
           </p:cNvPr>
@@ -2196,7 +2196,7 @@
           <p:cNvPr id="3" name="内容占位符 2">
             <a:extLst>
               <a:ext uri="{FF2B5EF4-FFF2-40B4-BE49-F238E27FC236}">
-                <a16:creationId xmlns:a16="http://schemas.microsoft.com/office/drawing/2014/main" id="{DC8B4342-AD81-AB8E-1F91-C6F39CB34B76}"/>
+                <a16:creationId xmlns:a16="http://schemas.microsoft.com/office/drawing/2014/main" id="{232AD212-C13B-9642-7D64-9CD460AC0C93}"/>
               </a:ext>
             </a:extLst>
           </p:cNvPr>
@@ -2286,7 +2286,7 @@
           <p:cNvPr id="4" name="文本占位符 3">
             <a:extLst>
               <a:ext uri="{FF2B5EF4-FFF2-40B4-BE49-F238E27FC236}">
-                <a16:creationId xmlns:a16="http://schemas.microsoft.com/office/drawing/2014/main" id="{5A42CE00-3AF0-3BB5-767C-CC350451A683}"/>
+                <a16:creationId xmlns:a16="http://schemas.microsoft.com/office/drawing/2014/main" id="{75A02129-F0E1-7219-54C3-EE58AC147194}"/>
               </a:ext>
             </a:extLst>
           </p:cNvPr>
@@ -2357,7 +2357,7 @@
           <p:cNvPr id="5" name="日期占位符 4">
             <a:extLst>
               <a:ext uri="{FF2B5EF4-FFF2-40B4-BE49-F238E27FC236}">
-                <a16:creationId xmlns:a16="http://schemas.microsoft.com/office/drawing/2014/main" id="{B71FF88E-BE00-22C9-DFA5-AB6657BAB06B}"/>
+                <a16:creationId xmlns:a16="http://schemas.microsoft.com/office/drawing/2014/main" id="{ABB08768-9B56-314D-CA8F-21422CA359D6}"/>
               </a:ext>
             </a:extLst>
           </p:cNvPr>
@@ -2373,7 +2373,7 @@
           <a:bodyPr/>
           <a:lstStyle/>
           <a:p>
-            <a:fld id="{1EE09E9A-7C59-40EA-B07F-696644A08B0B}" type="datetimeFigureOut">
+            <a:fld id="{FC1D3548-F8F4-44C0-86CF-F2A953CF6334}" type="datetimeFigureOut">
               <a:rPr lang="zh-CN" altLang="en-US" smtClean="0"/>
               <a:t>2024/3/10</a:t>
             </a:fld>
@@ -2386,7 +2386,7 @@
           <p:cNvPr id="6" name="页脚占位符 5">
             <a:extLst>
               <a:ext uri="{FF2B5EF4-FFF2-40B4-BE49-F238E27FC236}">
-                <a16:creationId xmlns:a16="http://schemas.microsoft.com/office/drawing/2014/main" id="{F5DAC697-AB98-9D4D-DB92-C7BB171839B4}"/>
+                <a16:creationId xmlns:a16="http://schemas.microsoft.com/office/drawing/2014/main" id="{1408284B-61EB-0819-3377-7F7759361CCD}"/>
               </a:ext>
             </a:extLst>
           </p:cNvPr>
@@ -2411,7 +2411,7 @@
           <p:cNvPr id="7" name="灯片编号占位符 6">
             <a:extLst>
               <a:ext uri="{FF2B5EF4-FFF2-40B4-BE49-F238E27FC236}">
-                <a16:creationId xmlns:a16="http://schemas.microsoft.com/office/drawing/2014/main" id="{1B0E23D1-D972-C9FC-DE46-9BDFDB47A1FA}"/>
+                <a16:creationId xmlns:a16="http://schemas.microsoft.com/office/drawing/2014/main" id="{89E1AB46-6D80-110D-2EE2-59E879043E82}"/>
               </a:ext>
             </a:extLst>
           </p:cNvPr>
@@ -2427,7 +2427,7 @@
           <a:bodyPr/>
           <a:lstStyle/>
           <a:p>
-            <a:fld id="{7B3D1A69-A019-4E7D-AFF2-CCD49CD43C08}" type="slidenum">
+            <a:fld id="{49891F30-CC92-4489-BE62-75E2C3E42EBB}" type="slidenum">
               <a:rPr lang="zh-CN" altLang="en-US" smtClean="0"/>
               <a:t>‹#›</a:t>
             </a:fld>
@@ -2438,7 +2438,7 @@
     </p:spTree>
     <p:extLst>
       <p:ext uri="{BB962C8B-B14F-4D97-AF65-F5344CB8AC3E}">
-        <p14:creationId xmlns:p14="http://schemas.microsoft.com/office/powerpoint/2010/main" val="3791363266"/>
+        <p14:creationId xmlns:p14="http://schemas.microsoft.com/office/powerpoint/2010/main" val="1252938415"/>
       </p:ext>
     </p:extLst>
   </p:cSld>
@@ -2470,7 +2470,7 @@
           <p:cNvPr id="2" name="标题 1">
             <a:extLst>
               <a:ext uri="{FF2B5EF4-FFF2-40B4-BE49-F238E27FC236}">
-                <a16:creationId xmlns:a16="http://schemas.microsoft.com/office/drawing/2014/main" id="{B427CC86-2156-81C6-9E40-7C9581E830B3}"/>
+                <a16:creationId xmlns:a16="http://schemas.microsoft.com/office/drawing/2014/main" id="{4A469646-787C-91C7-B6B4-58389FB48DA4}"/>
               </a:ext>
             </a:extLst>
           </p:cNvPr>
@@ -2507,7 +2507,7 @@
           <p:cNvPr id="3" name="图片占位符 2">
             <a:extLst>
               <a:ext uri="{FF2B5EF4-FFF2-40B4-BE49-F238E27FC236}">
-                <a16:creationId xmlns:a16="http://schemas.microsoft.com/office/drawing/2014/main" id="{6E96BA38-D462-56C1-7AF5-542E55C0F7E2}"/>
+                <a16:creationId xmlns:a16="http://schemas.microsoft.com/office/drawing/2014/main" id="{FCA53009-365C-EF6D-727C-A9040DCE39CB}"/>
               </a:ext>
             </a:extLst>
           </p:cNvPr>
@@ -2574,7 +2574,7 @@
           <p:cNvPr id="4" name="文本占位符 3">
             <a:extLst>
               <a:ext uri="{FF2B5EF4-FFF2-40B4-BE49-F238E27FC236}">
-                <a16:creationId xmlns:a16="http://schemas.microsoft.com/office/drawing/2014/main" id="{FE22D146-2EF6-B988-AA0B-EA76D8A97B7A}"/>
+                <a16:creationId xmlns:a16="http://schemas.microsoft.com/office/drawing/2014/main" id="{E1D3E6C8-84B1-CFAF-C8C6-58FA3264BA94}"/>
               </a:ext>
             </a:extLst>
           </p:cNvPr>
@@ -2645,7 +2645,7 @@
           <p:cNvPr id="5" name="日期占位符 4">
             <a:extLst>
               <a:ext uri="{FF2B5EF4-FFF2-40B4-BE49-F238E27FC236}">
-                <a16:creationId xmlns:a16="http://schemas.microsoft.com/office/drawing/2014/main" id="{00CAB12C-4996-A2F7-0A2A-90BE8D794045}"/>
+                <a16:creationId xmlns:a16="http://schemas.microsoft.com/office/drawing/2014/main" id="{4FA8FDCE-EC9E-BBFD-60A1-7BFE3C0537B9}"/>
               </a:ext>
             </a:extLst>
           </p:cNvPr>
@@ -2661,7 +2661,7 @@
           <a:bodyPr/>
           <a:lstStyle/>
           <a:p>
-            <a:fld id="{1EE09E9A-7C59-40EA-B07F-696644A08B0B}" type="datetimeFigureOut">
+            <a:fld id="{FC1D3548-F8F4-44C0-86CF-F2A953CF6334}" type="datetimeFigureOut">
               <a:rPr lang="zh-CN" altLang="en-US" smtClean="0"/>
               <a:t>2024/3/10</a:t>
             </a:fld>
@@ -2674,7 +2674,7 @@
           <p:cNvPr id="6" name="页脚占位符 5">
             <a:extLst>
               <a:ext uri="{FF2B5EF4-FFF2-40B4-BE49-F238E27FC236}">
-                <a16:creationId xmlns:a16="http://schemas.microsoft.com/office/drawing/2014/main" id="{9AEC5F5B-926F-A197-0135-9F114419F6B6}"/>
+                <a16:creationId xmlns:a16="http://schemas.microsoft.com/office/drawing/2014/main" id="{DD4879A3-6524-5103-48B7-4A237EC216E6}"/>
               </a:ext>
             </a:extLst>
           </p:cNvPr>
@@ -2699,7 +2699,7 @@
           <p:cNvPr id="7" name="灯片编号占位符 6">
             <a:extLst>
               <a:ext uri="{FF2B5EF4-FFF2-40B4-BE49-F238E27FC236}">
-                <a16:creationId xmlns:a16="http://schemas.microsoft.com/office/drawing/2014/main" id="{4EC5020C-BD64-E139-2830-F17EB8227292}"/>
+                <a16:creationId xmlns:a16="http://schemas.microsoft.com/office/drawing/2014/main" id="{6362A44D-E07E-B26E-D9CA-5ADE248EC5D8}"/>
               </a:ext>
             </a:extLst>
           </p:cNvPr>
@@ -2715,7 +2715,7 @@
           <a:bodyPr/>
           <a:lstStyle/>
           <a:p>
-            <a:fld id="{7B3D1A69-A019-4E7D-AFF2-CCD49CD43C08}" type="slidenum">
+            <a:fld id="{49891F30-CC92-4489-BE62-75E2C3E42EBB}" type="slidenum">
               <a:rPr lang="zh-CN" altLang="en-US" smtClean="0"/>
               <a:t>‹#›</a:t>
             </a:fld>
@@ -2726,7 +2726,7 @@
     </p:spTree>
     <p:extLst>
       <p:ext uri="{BB962C8B-B14F-4D97-AF65-F5344CB8AC3E}">
-        <p14:creationId xmlns:p14="http://schemas.microsoft.com/office/powerpoint/2010/main" val="2201229750"/>
+        <p14:creationId xmlns:p14="http://schemas.microsoft.com/office/powerpoint/2010/main" val="3286064668"/>
       </p:ext>
     </p:extLst>
   </p:cSld>
@@ -2763,7 +2763,7 @@
           <p:cNvPr id="2" name="标题占位符 1">
             <a:extLst>
               <a:ext uri="{FF2B5EF4-FFF2-40B4-BE49-F238E27FC236}">
-                <a16:creationId xmlns:a16="http://schemas.microsoft.com/office/drawing/2014/main" id="{3DBC66B4-40BA-2B64-C581-40ABB3953F42}"/>
+                <a16:creationId xmlns:a16="http://schemas.microsoft.com/office/drawing/2014/main" id="{185DCD7F-B54C-1EFB-1506-A464D4E3A7B7}"/>
               </a:ext>
             </a:extLst>
           </p:cNvPr>
@@ -2801,7 +2801,7 @@
           <p:cNvPr id="3" name="文本占位符 2">
             <a:extLst>
               <a:ext uri="{FF2B5EF4-FFF2-40B4-BE49-F238E27FC236}">
-                <a16:creationId xmlns:a16="http://schemas.microsoft.com/office/drawing/2014/main" id="{D2C7CBD5-1B6A-68DC-6CE2-A3162A70939E}"/>
+                <a16:creationId xmlns:a16="http://schemas.microsoft.com/office/drawing/2014/main" id="{85EEE1B2-7358-4066-93A8-7C24E66F2F21}"/>
               </a:ext>
             </a:extLst>
           </p:cNvPr>
@@ -2868,7 +2868,7 @@
           <p:cNvPr id="4" name="日期占位符 3">
             <a:extLst>
               <a:ext uri="{FF2B5EF4-FFF2-40B4-BE49-F238E27FC236}">
-                <a16:creationId xmlns:a16="http://schemas.microsoft.com/office/drawing/2014/main" id="{E9E677D5-4816-BB52-0F0C-EB21051818B0}"/>
+                <a16:creationId xmlns:a16="http://schemas.microsoft.com/office/drawing/2014/main" id="{2B60EBC1-54E4-5238-89BC-608D6040CD50}"/>
               </a:ext>
             </a:extLst>
           </p:cNvPr>
@@ -2902,7 +2902,7 @@
             </a:lvl1pPr>
           </a:lstStyle>
           <a:p>
-            <a:fld id="{1EE09E9A-7C59-40EA-B07F-696644A08B0B}" type="datetimeFigureOut">
+            <a:fld id="{FC1D3548-F8F4-44C0-86CF-F2A953CF6334}" type="datetimeFigureOut">
               <a:rPr lang="zh-CN" altLang="en-US" smtClean="0"/>
               <a:t>2024/3/10</a:t>
             </a:fld>
@@ -2915,7 +2915,7 @@
           <p:cNvPr id="5" name="页脚占位符 4">
             <a:extLst>
               <a:ext uri="{FF2B5EF4-FFF2-40B4-BE49-F238E27FC236}">
-                <a16:creationId xmlns:a16="http://schemas.microsoft.com/office/drawing/2014/main" id="{8F98B9B8-3B9D-2BF2-9A05-574F899F2714}"/>
+                <a16:creationId xmlns:a16="http://schemas.microsoft.com/office/drawing/2014/main" id="{1117B0EA-47E4-697D-2975-1A17D476E5B8}"/>
               </a:ext>
             </a:extLst>
           </p:cNvPr>
@@ -2958,7 +2958,7 @@
           <p:cNvPr id="6" name="灯片编号占位符 5">
             <a:extLst>
               <a:ext uri="{FF2B5EF4-FFF2-40B4-BE49-F238E27FC236}">
-                <a16:creationId xmlns:a16="http://schemas.microsoft.com/office/drawing/2014/main" id="{B8EB8F61-D25E-8DEC-198F-EA6AA07D33A0}"/>
+                <a16:creationId xmlns:a16="http://schemas.microsoft.com/office/drawing/2014/main" id="{91834748-33EE-509D-4598-F0B67FAD8AAB}"/>
               </a:ext>
             </a:extLst>
           </p:cNvPr>
@@ -2992,7 +2992,7 @@
             </a:lvl1pPr>
           </a:lstStyle>
           <a:p>
-            <a:fld id="{7B3D1A69-A019-4E7D-AFF2-CCD49CD43C08}" type="slidenum">
+            <a:fld id="{49891F30-CC92-4489-BE62-75E2C3E42EBB}" type="slidenum">
               <a:rPr lang="zh-CN" altLang="en-US" smtClean="0"/>
               <a:t>‹#›</a:t>
             </a:fld>
@@ -3003,7 +3003,7 @@
     </p:spTree>
     <p:extLst>
       <p:ext uri="{BB962C8B-B14F-4D97-AF65-F5344CB8AC3E}">
-        <p14:creationId xmlns:p14="http://schemas.microsoft.com/office/powerpoint/2010/main" val="2145613639"/>
+        <p14:creationId xmlns:p14="http://schemas.microsoft.com/office/powerpoint/2010/main" val="247679463"/>
       </p:ext>
     </p:extLst>
   </p:cSld>
@@ -3323,7 +3323,7 @@
       </p:grpSpPr>
       <p:pic>
         <p:nvPicPr>
-          <p:cNvPr id="227330" name="Picture 2" descr="221"/>
+          <p:cNvPr id="228354" name="Picture 2" descr="222"/>
           <p:cNvPicPr>
             <a:picLocks noChangeAspect="1" noChangeArrowheads="1"/>
           </p:cNvPicPr>
@@ -3377,7 +3377,7 @@
       </p:pic>
       <p:pic>
         <p:nvPicPr>
-          <p:cNvPr id="228355" name="Picture 3" descr="221-2"/>
+          <p:cNvPr id="229379" name="Picture 3" descr="222-2"/>
           <p:cNvPicPr>
             <a:picLocks noChangeAspect="1" noChangeArrowheads="1"/>
           </p:cNvPicPr>
@@ -3398,8 +3398,8 @@
         </p:blipFill>
         <p:spPr bwMode="auto">
           <a:xfrm>
-            <a:off x="1524000" y="0"/>
-            <a:ext cx="9144000" cy="6859588"/>
+            <a:off x="1560513" y="0"/>
+            <a:ext cx="9144000" cy="6858000"/>
           </a:xfrm>
           <a:prstGeom prst="rect">
             <a:avLst/>
@@ -3478,7 +3478,7 @@
                                           </p:stCondLst>
                                         </p:cTn>
                                         <p:tgtEl>
-                                          <p:spTgt spid="228355"/>
+                                          <p:spTgt spid="229379"/>
                                         </p:tgtEl>
                                         <p:attrNameLst>
                                           <p:attrName>style.visibility</p:attrName>
@@ -3492,7 +3492,7 @@
                                       <p:cBhvr>
                                         <p:cTn id="7" dur="500"/>
                                         <p:tgtEl>
-                                          <p:spTgt spid="228355"/>
+                                          <p:spTgt spid="229379"/>
                                         </p:tgtEl>
                                       </p:cBhvr>
                                     </p:animEffect>
